--- a/wk6/0_Materials/Course1Module10Lesson1.pptx
+++ b/wk6/0_Materials/Course1Module10Lesson1.pptx
@@ -601,35 +601,35 @@
           <a:p>
             <a:pPr lvl="0"/>
             <a:r>
-              <a:rPr lang="en-US" noProof="0" smtClean="0"/>
+              <a:rPr lang="en-US" noProof="0"/>
               <a:t>Click to edit Master text styles</a:t>
             </a:r>
           </a:p>
           <a:p>
             <a:pPr lvl="1"/>
             <a:r>
-              <a:rPr lang="en-US" noProof="0" smtClean="0"/>
+              <a:rPr lang="en-US" noProof="0"/>
               <a:t>Second level</a:t>
             </a:r>
           </a:p>
           <a:p>
             <a:pPr lvl="2"/>
             <a:r>
-              <a:rPr lang="en-US" noProof="0" smtClean="0"/>
+              <a:rPr lang="en-US" noProof="0"/>
               <a:t>Third level</a:t>
             </a:r>
           </a:p>
           <a:p>
             <a:pPr lvl="3"/>
             <a:r>
-              <a:rPr lang="en-US" noProof="0" smtClean="0"/>
+              <a:rPr lang="en-US" noProof="0"/>
               <a:t>Fourth level</a:t>
             </a:r>
           </a:p>
           <a:p>
             <a:pPr lvl="4"/>
             <a:r>
-              <a:rPr lang="en-US" noProof="0" smtClean="0"/>
+              <a:rPr lang="en-US" noProof="0"/>
               <a:t>Fifth level</a:t>
             </a:r>
           </a:p>
@@ -1023,7 +1023,7 @@
               <a:pPr/>
               <a:t>1</a:t>
             </a:fld>
-            <a:endParaRPr lang="en-US" sz="1200" smtClean="0"/>
+            <a:endParaRPr lang="en-US" sz="1200"/>
           </a:p>
         </p:txBody>
       </p:sp>
@@ -1079,39 +1079,39 @@
           <a:lstStyle/>
           <a:p>
             <a:r>
-              <a:rPr lang="en-US" dirty="0" smtClean="0"/>
+              <a:rPr lang="en-US" dirty="0"/>
               <a:t>Welcome to Lesson </a:t>
             </a:r>
             <a:r>
-              <a:rPr lang="en-US" baseline="0" dirty="0" smtClean="0"/>
+              <a:rPr lang="en-US" baseline="0" dirty="0"/>
               <a:t>1 of Module 10 on Schema Conversion</a:t>
             </a:r>
-            <a:endParaRPr lang="en-US" altLang="en-US" dirty="0" smtClean="0"/>
-          </a:p>
-          <a:p>
-            <a:endParaRPr lang="en-US" altLang="en-US" dirty="0" smtClean="0"/>
-          </a:p>
-          <a:p>
-            <a:r>
-              <a:rPr lang="en-US" altLang="en-US" dirty="0" smtClean="0"/>
+            <a:endParaRPr lang="en-US" altLang="en-US" dirty="0"/>
+          </a:p>
+          <a:p>
+            <a:endParaRPr lang="en-US" altLang="en-US" dirty="0"/>
+          </a:p>
+          <a:p>
+            <a:r>
+              <a:rPr lang="en-US" altLang="en-US" dirty="0"/>
               <a:t>A</a:t>
             </a:r>
             <a:r>
-              <a:rPr lang="en-US" altLang="en-US" baseline="0" dirty="0" smtClean="0"/>
+              <a:rPr lang="en-US" altLang="en-US" baseline="0" dirty="0"/>
               <a:t> schema is a design. For databases, schema refers to the ERD created in the conceptual data modeling phase.</a:t>
             </a:r>
-            <a:endParaRPr lang="en-US" altLang="en-US" dirty="0" smtClean="0"/>
-          </a:p>
-          <a:p>
-            <a:endParaRPr lang="en-US" altLang="en-US" dirty="0" smtClean="0"/>
-          </a:p>
-          <a:p>
-            <a:r>
-              <a:rPr lang="en-US" altLang="en-US" dirty="0" smtClean="0"/>
+            <a:endParaRPr lang="en-US" altLang="en-US" dirty="0"/>
+          </a:p>
+          <a:p>
+            <a:endParaRPr lang="en-US" altLang="en-US" dirty="0"/>
+          </a:p>
+          <a:p>
+            <a:r>
+              <a:rPr lang="en-US" altLang="en-US" dirty="0"/>
               <a:t>Opening</a:t>
             </a:r>
             <a:r>
-              <a:rPr lang="en-US" altLang="en-US" baseline="0" dirty="0" smtClean="0"/>
+              <a:rPr lang="en-US" altLang="en-US" baseline="0" dirty="0"/>
               <a:t> question</a:t>
             </a:r>
           </a:p>
@@ -1121,7 +1121,7 @@
               <a:buChar char="-"/>
             </a:pPr>
             <a:r>
-              <a:rPr lang="en-US" altLang="en-US" baseline="0" dirty="0" smtClean="0"/>
+              <a:rPr lang="en-US" altLang="en-US" baseline="0" dirty="0"/>
               <a:t>What does the word “logical” mean in the database context?</a:t>
             </a:r>
           </a:p>
@@ -1131,7 +1131,7 @@
               <a:buChar char="-"/>
             </a:pPr>
             <a:r>
-              <a:rPr lang="en-US" altLang="en-US" baseline="0" dirty="0" smtClean="0"/>
+              <a:rPr lang="en-US" altLang="en-US" baseline="0" dirty="0"/>
               <a:t>What is the opposite of logical in a database context?</a:t>
             </a:r>
           </a:p>
@@ -1141,7 +1141,7 @@
               <a:buChar char="-"/>
             </a:pPr>
             <a:r>
-              <a:rPr lang="en-US" altLang="en-US" baseline="0" dirty="0" smtClean="0"/>
+              <a:rPr lang="en-US" altLang="en-US" baseline="0" dirty="0"/>
               <a:t>Focus on information content, not implementation details.</a:t>
             </a:r>
           </a:p>
@@ -1151,10 +1151,10 @@
               <a:buChar char="-"/>
             </a:pPr>
             <a:r>
-              <a:rPr lang="en-US" altLang="en-US" baseline="0" dirty="0" smtClean="0"/>
+              <a:rPr lang="en-US" altLang="en-US" baseline="0" dirty="0"/>
               <a:t>Opposite of logical is physical</a:t>
             </a:r>
-            <a:endParaRPr lang="en-US" altLang="en-US" dirty="0" smtClean="0"/>
+            <a:endParaRPr lang="en-US" altLang="en-US" dirty="0"/>
           </a:p>
         </p:txBody>
       </p:sp>
@@ -1216,57 +1216,57 @@
           <a:lstStyle/>
           <a:p>
             <a:r>
-              <a:rPr lang="en-US" dirty="0" smtClean="0"/>
+              <a:rPr lang="en-US" dirty="0"/>
               <a:t>Objectives:</a:t>
             </a:r>
           </a:p>
           <a:p>
             <a:r>
-              <a:rPr lang="en-US" dirty="0" smtClean="0"/>
+              <a:rPr lang="en-US" dirty="0"/>
               <a:t> - Descriptive notes: no specific skills</a:t>
             </a:r>
           </a:p>
           <a:p>
             <a:r>
-              <a:rPr lang="en-US" dirty="0" smtClean="0"/>
+              <a:rPr lang="en-US" dirty="0"/>
               <a:t> - Understand the importance of managing</a:t>
             </a:r>
             <a:r>
-              <a:rPr lang="en-US" baseline="0" dirty="0" smtClean="0"/>
+              <a:rPr lang="en-US" baseline="0" dirty="0"/>
               <a:t> redundancy</a:t>
             </a:r>
-            <a:endParaRPr lang="en-US" dirty="0" smtClean="0"/>
-          </a:p>
-          <a:p>
-            <a:r>
-              <a:rPr lang="en-US" dirty="0" smtClean="0"/>
+            <a:endParaRPr lang="en-US" dirty="0"/>
+          </a:p>
+          <a:p>
+            <a:r>
+              <a:rPr lang="en-US" dirty="0"/>
               <a:t> - Understand position of logical database</a:t>
             </a:r>
             <a:r>
-              <a:rPr lang="en-US" baseline="0" dirty="0" smtClean="0"/>
+              <a:rPr lang="en-US" baseline="0" dirty="0"/>
               <a:t> design in the</a:t>
             </a:r>
             <a:r>
-              <a:rPr lang="en-US" dirty="0" smtClean="0"/>
+              <a:rPr lang="en-US" dirty="0"/>
               <a:t> </a:t>
             </a:r>
             <a:r>
-              <a:rPr lang="en-US" dirty="0" err="1" smtClean="0"/>
+              <a:rPr lang="en-US" dirty="0" err="1"/>
               <a:t>db</a:t>
             </a:r>
             <a:r>
-              <a:rPr lang="en-US" dirty="0" smtClean="0"/>
+              <a:rPr lang="en-US" dirty="0"/>
               <a:t> development process</a:t>
             </a:r>
           </a:p>
           <a:p>
             <a:r>
-              <a:rPr lang="en-US" dirty="0" smtClean="0"/>
+              <a:rPr lang="en-US" dirty="0"/>
               <a:t> - Describe steps of logical database design</a:t>
             </a:r>
           </a:p>
           <a:p>
-            <a:endParaRPr lang="en-US" dirty="0" smtClean="0"/>
+            <a:endParaRPr lang="en-US" dirty="0"/>
           </a:p>
           <a:p>
             <a:endParaRPr lang="en-US" dirty="0"/>
@@ -1360,35 +1360,35 @@
           <a:lstStyle/>
           <a:p>
             <a:r>
-              <a:rPr lang="en-US" dirty="0" smtClean="0"/>
+              <a:rPr lang="en-US" dirty="0"/>
               <a:t>Review from previous modules</a:t>
             </a:r>
           </a:p>
           <a:p>
-            <a:endParaRPr lang="en-US" dirty="0" smtClean="0"/>
-          </a:p>
-          <a:p>
-            <a:r>
-              <a:rPr lang="en-US" dirty="0" smtClean="0"/>
+            <a:endParaRPr lang="en-US" dirty="0"/>
+          </a:p>
+          <a:p>
+            <a:r>
+              <a:rPr lang="en-US" dirty="0"/>
               <a:t>Focus on goals 2 and 3</a:t>
             </a:r>
           </a:p>
           <a:p>
-            <a:endParaRPr lang="en-US" dirty="0" smtClean="0"/>
-          </a:p>
-          <a:p>
-            <a:r>
-              <a:rPr lang="en-US" dirty="0" smtClean="0"/>
+            <a:endParaRPr lang="en-US" dirty="0"/>
+          </a:p>
+          <a:p>
+            <a:r>
+              <a:rPr lang="en-US" dirty="0"/>
               <a:t>Refinement</a:t>
             </a:r>
             <a:r>
-              <a:rPr lang="en-US" baseline="0" dirty="0" smtClean="0"/>
+              <a:rPr lang="en-US" baseline="0" dirty="0"/>
               <a:t> theme</a:t>
             </a:r>
-            <a:endParaRPr lang="en-US" dirty="0" smtClean="0"/>
-          </a:p>
-          <a:p>
-            <a:endParaRPr lang="en-US" dirty="0" smtClean="0"/>
+            <a:endParaRPr lang="en-US" dirty="0"/>
+          </a:p>
+          <a:p>
+            <a:endParaRPr lang="en-US" dirty="0"/>
           </a:p>
           <a:p>
             <a:endParaRPr lang="en-US" dirty="0"/>
@@ -1593,7 +1593,7 @@
               <a:pPr/>
               <a:t>4</a:t>
             </a:fld>
-            <a:endParaRPr lang="en-US" sz="1200" smtClean="0"/>
+            <a:endParaRPr lang="en-US" sz="1200"/>
           </a:p>
         </p:txBody>
       </p:sp>
@@ -1649,41 +1649,41 @@
           <a:lstStyle/>
           <a:p>
             <a:r>
-              <a:rPr lang="en-US" dirty="0" smtClean="0"/>
+              <a:rPr lang="en-US" dirty="0"/>
               <a:t>Define data meaning:</a:t>
             </a:r>
           </a:p>
           <a:p>
             <a:r>
-              <a:rPr lang="en-US" dirty="0" smtClean="0"/>
+              <a:rPr lang="en-US" dirty="0"/>
               <a:t> - Business rules: how an organization operates</a:t>
             </a:r>
           </a:p>
           <a:p>
             <a:r>
-              <a:rPr lang="en-US" dirty="0" smtClean="0"/>
+              <a:rPr lang="en-US" dirty="0"/>
               <a:t> - Eliminating</a:t>
             </a:r>
             <a:r>
-              <a:rPr lang="en-US" baseline="0" dirty="0" smtClean="0"/>
+              <a:rPr lang="en-US" baseline="0" dirty="0"/>
               <a:t> unwanted r</a:t>
             </a:r>
             <a:r>
-              <a:rPr lang="en-US" dirty="0" smtClean="0"/>
+              <a:rPr lang="en-US" dirty="0"/>
               <a:t>edundancy is an</a:t>
             </a:r>
             <a:r>
-              <a:rPr lang="en-US" baseline="0" dirty="0" smtClean="0"/>
+              <a:rPr lang="en-US" baseline="0" dirty="0"/>
               <a:t> important data quality goal</a:t>
             </a:r>
-            <a:endParaRPr lang="en-US" dirty="0" smtClean="0"/>
-          </a:p>
-          <a:p>
-            <a:endParaRPr lang="en-US" dirty="0" smtClean="0"/>
-          </a:p>
-          <a:p>
-            <a:r>
-              <a:rPr lang="en-US" dirty="0" smtClean="0"/>
+            <a:endParaRPr lang="en-US" dirty="0"/>
+          </a:p>
+          <a:p>
+            <a:endParaRPr lang="en-US" dirty="0"/>
+          </a:p>
+          <a:p>
+            <a:r>
+              <a:rPr lang="en-US" dirty="0"/>
               <a:t>Redundancy</a:t>
             </a:r>
           </a:p>
@@ -1693,11 +1693,11 @@
               <a:buChar char="-"/>
             </a:pPr>
             <a:r>
-              <a:rPr lang="en-US" dirty="0" smtClean="0"/>
+              <a:rPr lang="en-US" dirty="0"/>
               <a:t>Identify constraints that highlight</a:t>
             </a:r>
             <a:r>
-              <a:rPr lang="en-US" baseline="0" dirty="0" smtClean="0"/>
+              <a:rPr lang="en-US" baseline="0" dirty="0"/>
               <a:t> possible redundancy</a:t>
             </a:r>
           </a:p>
@@ -1707,7 +1707,7 @@
               <a:buChar char="-"/>
             </a:pPr>
             <a:r>
-              <a:rPr lang="en-US" baseline="0" dirty="0" smtClean="0"/>
+              <a:rPr lang="en-US" baseline="0" dirty="0"/>
               <a:t>Focus on impact of redundancy on update operations (insert, update, and delete)</a:t>
             </a:r>
           </a:p>
@@ -1717,7 +1717,7 @@
               <a:buChar char="-"/>
             </a:pPr>
             <a:r>
-              <a:rPr lang="en-US" baseline="0" dirty="0" smtClean="0"/>
+              <a:rPr lang="en-US" baseline="0" dirty="0"/>
               <a:t>Much less concern in a business intelligence processing environment</a:t>
             </a:r>
           </a:p>
@@ -1727,7 +1727,7 @@
               <a:buChar char="-"/>
             </a:pPr>
             <a:r>
-              <a:rPr lang="en-US" baseline="0" dirty="0" smtClean="0"/>
+              <a:rPr lang="en-US" baseline="0" dirty="0"/>
               <a:t>Some redundancy does not matter. Some redundancy improves performance</a:t>
             </a:r>
           </a:p>
@@ -1736,7 +1736,7 @@
               <a:buFontTx/>
               <a:buChar char="-"/>
             </a:pPr>
-            <a:endParaRPr lang="en-US" dirty="0" smtClean="0"/>
+            <a:endParaRPr lang="en-US" dirty="0"/>
           </a:p>
         </p:txBody>
       </p:sp>
@@ -1909,7 +1909,7 @@
               <a:pPr/>
               <a:t>5</a:t>
             </a:fld>
-            <a:endParaRPr lang="en-US" sz="1200" smtClean="0"/>
+            <a:endParaRPr lang="en-US" sz="1200"/>
           </a:p>
         </p:txBody>
       </p:sp>
@@ -1965,31 +1965,31 @@
           <a:lstStyle/>
           <a:p>
             <a:r>
-              <a:rPr lang="en-US" dirty="0" smtClean="0"/>
+              <a:rPr lang="en-US" dirty="0"/>
               <a:t>This</a:t>
             </a:r>
             <a:r>
-              <a:rPr lang="en-US" baseline="0" dirty="0" smtClean="0"/>
+              <a:rPr lang="en-US" baseline="0" dirty="0"/>
               <a:t> course covers conceptual data modeling and logical database design phases. This module focuses on the </a:t>
             </a:r>
             <a:r>
-              <a:rPr lang="en-US" baseline="0" dirty="0" err="1" smtClean="0"/>
+              <a:rPr lang="en-US" baseline="0" dirty="0" err="1"/>
               <a:t>the</a:t>
             </a:r>
             <a:r>
-              <a:rPr lang="en-US" baseline="0" dirty="0" smtClean="0"/>
+              <a:rPr lang="en-US" baseline="0" dirty="0"/>
               <a:t> logical database design phase. </a:t>
             </a:r>
           </a:p>
           <a:p>
-            <a:endParaRPr lang="en-US" baseline="0" dirty="0" smtClean="0"/>
-          </a:p>
-          <a:p>
-            <a:r>
-              <a:rPr lang="en-US" baseline="0" dirty="0" smtClean="0"/>
+            <a:endParaRPr lang="en-US" baseline="0" dirty="0"/>
+          </a:p>
+          <a:p>
+            <a:r>
+              <a:rPr lang="en-US" baseline="0" dirty="0"/>
               <a:t>The details of the distributed database design and physical database design phases depend on the processing architecture (transaction processing versus business intelligence processing). No details in this course on the last two phases. The third course (relational database support for data warehouse processing) covers physical design for data warehouses.</a:t>
             </a:r>
-            <a:endParaRPr lang="en-US" dirty="0" smtClean="0"/>
+            <a:endParaRPr lang="en-US" dirty="0"/>
           </a:p>
         </p:txBody>
       </p:sp>
@@ -2051,21 +2051,21 @@
           <a:lstStyle/>
           <a:p>
             <a:r>
-              <a:rPr lang="en-US" dirty="0" smtClean="0"/>
+              <a:rPr lang="en-US" dirty="0"/>
               <a:t>Highlight</a:t>
             </a:r>
             <a:r>
-              <a:rPr lang="en-US" baseline="0" dirty="0" smtClean="0"/>
+              <a:rPr lang="en-US" baseline="0" dirty="0"/>
               <a:t> step covered in module 10</a:t>
             </a:r>
-            <a:endParaRPr lang="en-US" dirty="0" smtClean="0"/>
-          </a:p>
-          <a:p>
-            <a:endParaRPr lang="en-US" dirty="0" smtClean="0"/>
-          </a:p>
-          <a:p>
-            <a:r>
-              <a:rPr lang="en-US" dirty="0" smtClean="0"/>
+            <a:endParaRPr lang="en-US" dirty="0"/>
+          </a:p>
+          <a:p>
+            <a:endParaRPr lang="en-US" dirty="0"/>
+          </a:p>
+          <a:p>
+            <a:r>
+              <a:rPr lang="en-US" dirty="0"/>
               <a:t>Conversion:</a:t>
             </a:r>
           </a:p>
@@ -2075,7 +2075,7 @@
               <a:buChar char="-"/>
             </a:pPr>
             <a:r>
-              <a:rPr lang="en-US" baseline="0" dirty="0" smtClean="0"/>
+              <a:rPr lang="en-US" baseline="0" dirty="0"/>
               <a:t>Entity types to tables</a:t>
             </a:r>
           </a:p>
@@ -2085,7 +2085,7 @@
               <a:buChar char="-"/>
             </a:pPr>
             <a:r>
-              <a:rPr lang="en-US" baseline="0" dirty="0" smtClean="0"/>
+              <a:rPr lang="en-US" baseline="0" dirty="0"/>
               <a:t>Relationships to FKs</a:t>
             </a:r>
           </a:p>
@@ -2095,7 +2095,7 @@
               <a:buChar char="-"/>
             </a:pPr>
             <a:r>
-              <a:rPr lang="en-US" baseline="0" dirty="0" smtClean="0"/>
+              <a:rPr lang="en-US" baseline="0" dirty="0"/>
               <a:t>Highlighted because it is the subject of module 10.</a:t>
             </a:r>
           </a:p>
@@ -2104,7 +2104,7 @@
               <a:buFontTx/>
               <a:buNone/>
             </a:pPr>
-            <a:endParaRPr lang="en-US" baseline="0" dirty="0" smtClean="0"/>
+            <a:endParaRPr lang="en-US" baseline="0" dirty="0"/>
           </a:p>
           <a:p>
             <a:pPr marL="0" indent="0">
@@ -2112,7 +2112,7 @@
               <a:buNone/>
             </a:pPr>
             <a:r>
-              <a:rPr lang="en-US" baseline="0" dirty="0" smtClean="0"/>
+              <a:rPr lang="en-US" baseline="0" dirty="0"/>
               <a:t>Analyze</a:t>
             </a:r>
           </a:p>
@@ -2122,7 +2122,7 @@
               <a:buChar char="-"/>
             </a:pPr>
             <a:r>
-              <a:rPr lang="en-US" baseline="0" dirty="0" smtClean="0"/>
+              <a:rPr lang="en-US" baseline="0" dirty="0"/>
               <a:t>List FDs</a:t>
             </a:r>
           </a:p>
@@ -2132,7 +2132,7 @@
               <a:buChar char="-"/>
             </a:pPr>
             <a:r>
-              <a:rPr lang="en-US" baseline="0" dirty="0" smtClean="0"/>
+              <a:rPr lang="en-US" baseline="0" dirty="0"/>
               <a:t>Develop complete and non redundant list of FDs</a:t>
             </a:r>
           </a:p>
@@ -2141,7 +2141,7 @@
               <a:buFontTx/>
               <a:buNone/>
             </a:pPr>
-            <a:endParaRPr lang="en-US" baseline="0" dirty="0" smtClean="0"/>
+            <a:endParaRPr lang="en-US" baseline="0" dirty="0"/>
           </a:p>
           <a:p>
             <a:pPr marL="0" indent="0">
@@ -2149,7 +2149,7 @@
               <a:buNone/>
             </a:pPr>
             <a:r>
-              <a:rPr lang="en-US" baseline="0" dirty="0" smtClean="0"/>
+              <a:rPr lang="en-US" baseline="0" dirty="0"/>
               <a:t>Normalize</a:t>
             </a:r>
           </a:p>
@@ -2159,7 +2159,7 @@
               <a:buChar char="-"/>
             </a:pPr>
             <a:r>
-              <a:rPr lang="en-US" baseline="0" dirty="0" smtClean="0"/>
+              <a:rPr lang="en-US" baseline="0" dirty="0"/>
               <a:t>Apply rules of normal forms</a:t>
             </a:r>
           </a:p>
@@ -2169,7 +2169,7 @@
               <a:buChar char="-"/>
             </a:pPr>
             <a:r>
-              <a:rPr lang="en-US" baseline="0" dirty="0" smtClean="0"/>
+              <a:rPr lang="en-US" baseline="0" dirty="0"/>
               <a:t>May retain some redundancies</a:t>
             </a:r>
           </a:p>
@@ -2178,7 +2178,7 @@
               <a:buFontTx/>
               <a:buNone/>
             </a:pPr>
-            <a:endParaRPr lang="en-US" baseline="0" dirty="0" smtClean="0"/>
+            <a:endParaRPr lang="en-US" baseline="0" dirty="0"/>
           </a:p>
           <a:p>
             <a:pPr marL="0" indent="0">
@@ -2186,7 +2186,7 @@
               <a:buNone/>
             </a:pPr>
             <a:r>
-              <a:rPr lang="en-US" baseline="0" dirty="0" smtClean="0"/>
+              <a:rPr lang="en-US" baseline="0" dirty="0"/>
               <a:t>Refine</a:t>
             </a:r>
           </a:p>
@@ -2196,7 +2196,7 @@
               <a:buChar char="-"/>
             </a:pPr>
             <a:r>
-              <a:rPr lang="en-US" baseline="0" dirty="0" smtClean="0"/>
+              <a:rPr lang="en-US" baseline="0" dirty="0"/>
               <a:t>Add constraints</a:t>
             </a:r>
           </a:p>
@@ -2206,7 +2206,7 @@
               <a:buChar char="-"/>
             </a:pPr>
             <a:r>
-              <a:rPr lang="en-US" baseline="0" dirty="0" smtClean="0"/>
+              <a:rPr lang="en-US" baseline="0" dirty="0"/>
               <a:t>Uniqueness</a:t>
             </a:r>
           </a:p>
@@ -2216,7 +2216,7 @@
               <a:buChar char="-"/>
             </a:pPr>
             <a:r>
-              <a:rPr lang="en-US" baseline="0" dirty="0" smtClean="0"/>
+              <a:rPr lang="en-US" baseline="0" dirty="0"/>
               <a:t>Column constraints</a:t>
             </a:r>
           </a:p>
@@ -2226,7 +2226,7 @@
               <a:buChar char="-"/>
             </a:pPr>
             <a:r>
-              <a:rPr lang="en-US" baseline="0" dirty="0" smtClean="0"/>
+              <a:rPr lang="en-US" baseline="0" dirty="0"/>
               <a:t>Triggers</a:t>
             </a:r>
           </a:p>
@@ -2454,7 +2454,7 @@
               </a:pPr>
               <a:t>7</a:t>
             </a:fld>
-            <a:endParaRPr kumimoji="0" lang="en-US" altLang="en-US" smtClean="0"/>
+            <a:endParaRPr kumimoji="0" lang="en-US" altLang="en-US"/>
           </a:p>
         </p:txBody>
       </p:sp>
@@ -2510,20 +2510,20 @@
           <a:lstStyle/>
           <a:p>
             <a:r>
-              <a:rPr lang="en-US" altLang="en-US" dirty="0" smtClean="0"/>
+              <a:rPr lang="en-US" altLang="en-US" dirty="0"/>
               <a:t>Database is part of an information system,</a:t>
             </a:r>
             <a:r>
-              <a:rPr lang="en-US" altLang="en-US" baseline="0" dirty="0" smtClean="0"/>
+              <a:rPr lang="en-US" altLang="en-US" baseline="0" dirty="0"/>
               <a:t> often the core part of systems for operating a business.</a:t>
             </a:r>
           </a:p>
           <a:p>
-            <a:endParaRPr lang="en-US" altLang="en-US" baseline="0" dirty="0" smtClean="0"/>
-          </a:p>
-          <a:p>
-            <a:r>
-              <a:rPr lang="en-US" altLang="en-US" baseline="0" dirty="0" smtClean="0"/>
+            <a:endParaRPr lang="en-US" altLang="en-US" baseline="0" dirty="0"/>
+          </a:p>
+          <a:p>
+            <a:r>
+              <a:rPr lang="en-US" altLang="en-US" baseline="0" dirty="0"/>
               <a:t>Goals</a:t>
             </a:r>
           </a:p>
@@ -2533,7 +2533,7 @@
               <a:buChar char="-"/>
             </a:pPr>
             <a:r>
-              <a:rPr lang="en-US" altLang="en-US" baseline="0" dirty="0" smtClean="0"/>
+              <a:rPr lang="en-US" altLang="en-US" baseline="0" dirty="0"/>
               <a:t>Common vocabulary</a:t>
             </a:r>
           </a:p>
@@ -2543,7 +2543,7 @@
               <a:buChar char="-"/>
             </a:pPr>
             <a:r>
-              <a:rPr lang="en-US" altLang="en-US" baseline="0" dirty="0" smtClean="0"/>
+              <a:rPr lang="en-US" altLang="en-US" baseline="0" dirty="0"/>
               <a:t>Business rules</a:t>
             </a:r>
           </a:p>
@@ -2553,7 +2553,7 @@
               <a:buChar char="-"/>
             </a:pPr>
             <a:r>
-              <a:rPr lang="en-US" altLang="en-US" baseline="0" dirty="0" smtClean="0"/>
+              <a:rPr lang="en-US" altLang="en-US" baseline="0" dirty="0"/>
               <a:t>Data quality: covered in DW courses</a:t>
             </a:r>
           </a:p>
@@ -2563,7 +2563,7 @@
               <a:buChar char="-"/>
             </a:pPr>
             <a:r>
-              <a:rPr lang="en-US" altLang="en-US" baseline="0" dirty="0" smtClean="0"/>
+              <a:rPr lang="en-US" altLang="en-US" baseline="0" dirty="0"/>
               <a:t>Efficient implementation: not covered in the track for operational databases</a:t>
             </a:r>
           </a:p>
@@ -2572,7 +2572,7 @@
               <a:buFontTx/>
               <a:buNone/>
             </a:pPr>
-            <a:endParaRPr lang="en-US" altLang="en-US" baseline="0" dirty="0" smtClean="0"/>
+            <a:endParaRPr lang="en-US" altLang="en-US" baseline="0" dirty="0"/>
           </a:p>
           <a:p>
             <a:pPr marL="0" indent="0">
@@ -2580,7 +2580,7 @@
               <a:buNone/>
             </a:pPr>
             <a:r>
-              <a:rPr lang="en-US" altLang="en-US" baseline="0" dirty="0" smtClean="0"/>
+              <a:rPr lang="en-US" altLang="en-US" baseline="0" dirty="0"/>
               <a:t>Logical database design</a:t>
             </a:r>
           </a:p>
@@ -2590,7 +2590,7 @@
               <a:buChar char="-"/>
             </a:pPr>
             <a:r>
-              <a:rPr lang="en-US" altLang="en-US" baseline="0" dirty="0" smtClean="0"/>
+              <a:rPr lang="en-US" altLang="en-US" baseline="0" dirty="0"/>
               <a:t>Use conversion rules</a:t>
             </a:r>
           </a:p>
@@ -2600,7 +2600,7 @@
               <a:buChar char="-"/>
             </a:pPr>
             <a:r>
-              <a:rPr lang="en-US" altLang="en-US" baseline="0" dirty="0" smtClean="0"/>
+              <a:rPr lang="en-US" altLang="en-US" baseline="0" dirty="0"/>
               <a:t>Identify constraints</a:t>
             </a:r>
           </a:p>
@@ -2610,7 +2610,7 @@
               <a:buChar char="-"/>
             </a:pPr>
             <a:r>
-              <a:rPr lang="en-US" altLang="en-US" baseline="0" dirty="0" smtClean="0"/>
+              <a:rPr lang="en-US" altLang="en-US" baseline="0" dirty="0"/>
               <a:t>Use constraints to eliminate unwanted redundancy</a:t>
             </a:r>
           </a:p>
@@ -2619,7 +2619,7 @@
               <a:buFontTx/>
               <a:buNone/>
             </a:pPr>
-            <a:endParaRPr lang="en-US" altLang="en-US" baseline="0" dirty="0" smtClean="0"/>
+            <a:endParaRPr lang="en-US" altLang="en-US" baseline="0" dirty="0"/>
           </a:p>
           <a:p>
             <a:pPr marL="0" indent="0">
@@ -2627,7 +2627,7 @@
               <a:buNone/>
             </a:pPr>
             <a:r>
-              <a:rPr lang="en-US" altLang="en-US" baseline="0" dirty="0" smtClean="0"/>
+              <a:rPr lang="en-US" altLang="en-US" baseline="0" dirty="0"/>
               <a:t>Refinement</a:t>
             </a:r>
           </a:p>
@@ -2637,7 +2637,7 @@
               <a:buChar char="-"/>
             </a:pPr>
             <a:r>
-              <a:rPr lang="en-US" altLang="en-US" baseline="0" dirty="0" smtClean="0"/>
+              <a:rPr lang="en-US" altLang="en-US" baseline="0" dirty="0"/>
               <a:t>Conversion to implementable standard</a:t>
             </a:r>
           </a:p>
@@ -2647,7 +2647,7 @@
               <a:buChar char="-"/>
             </a:pPr>
             <a:r>
-              <a:rPr lang="en-US" altLang="en-US" baseline="0" dirty="0" smtClean="0"/>
+              <a:rPr lang="en-US" altLang="en-US" baseline="0" dirty="0"/>
               <a:t>Manage redundancy by identifying and eliminating</a:t>
             </a:r>
           </a:p>
@@ -2657,7 +2657,7 @@
               <a:buChar char="-"/>
             </a:pPr>
             <a:r>
-              <a:rPr lang="en-US" altLang="en-US" baseline="0" dirty="0" smtClean="0"/>
+              <a:rPr lang="en-US" altLang="en-US" baseline="0" dirty="0"/>
               <a:t>Most redundancy has already been managed in the ERD.</a:t>
             </a:r>
           </a:p>
@@ -2666,7 +2666,7 @@
               <a:buFontTx/>
               <a:buNone/>
             </a:pPr>
-            <a:endParaRPr lang="en-US" altLang="en-US" baseline="0" dirty="0" smtClean="0"/>
+            <a:endParaRPr lang="en-US" altLang="en-US" baseline="0" dirty="0"/>
           </a:p>
           <a:p>
             <a:pPr marL="0" indent="0">
@@ -2674,10 +2674,10 @@
               <a:buNone/>
             </a:pPr>
             <a:r>
-              <a:rPr lang="en-US" altLang="en-US" baseline="0" dirty="0" smtClean="0"/>
+              <a:rPr lang="en-US" altLang="en-US" baseline="0" dirty="0"/>
               <a:t>Corporate database development typically involves a team to develop a complex data model with hundreds of entity types and relationships.</a:t>
             </a:r>
-            <a:endParaRPr lang="en-US" altLang="en-US" dirty="0" smtClean="0"/>
+            <a:endParaRPr lang="en-US" altLang="en-US" dirty="0"/>
           </a:p>
         </p:txBody>
       </p:sp>
@@ -2852,7 +2852,7 @@
           </a:lstStyle>
           <a:p>
             <a:r>
-              <a:rPr lang="en-US" smtClean="0"/>
+              <a:rPr lang="en-US"/>
               <a:t>Click to edit Master title style</a:t>
             </a:r>
             <a:endParaRPr lang="en-US" dirty="0"/>
@@ -2890,7 +2890,7 @@
           </a:lstStyle>
           <a:p>
             <a:r>
-              <a:rPr lang="en-US" smtClean="0"/>
+              <a:rPr lang="en-US"/>
               <a:t>Click to edit Master subtitle style</a:t>
             </a:r>
             <a:endParaRPr lang="en-US" dirty="0"/>
@@ -2991,7 +2991,7 @@
           <a:p>
             <a:pPr algn="r"/>
             <a:r>
-              <a:rPr lang="en-US" sz="1800" dirty="0" smtClean="0">
+              <a:rPr lang="en-US" sz="1800" dirty="0">
                 <a:solidFill>
                   <a:schemeClr val="bg1"/>
                 </a:solidFill>
@@ -2999,7 +2999,7 @@
               <a:t>Information Systems</a:t>
             </a:r>
             <a:r>
-              <a:rPr lang="en-US" sz="1800" baseline="0" dirty="0" smtClean="0">
+              <a:rPr lang="en-US" sz="1800" baseline="0" dirty="0">
                 <a:solidFill>
                   <a:schemeClr val="bg1"/>
                 </a:solidFill>
@@ -3064,10 +3064,9 @@
           </a:lstStyle>
           <a:p>
             <a:r>
-              <a:rPr lang="en-US" smtClean="0"/>
+              <a:rPr lang="en-US"/>
               <a:t>Click to edit Master title style</a:t>
             </a:r>
-            <a:endParaRPr lang="en-US"/>
           </a:p>
         </p:txBody>
       </p:sp>
@@ -3088,38 +3087,37 @@
           <a:p>
             <a:pPr lvl="0"/>
             <a:r>
-              <a:rPr lang="en-US" smtClean="0"/>
+              <a:rPr lang="en-US"/>
               <a:t>Click to edit Master text styles</a:t>
             </a:r>
           </a:p>
           <a:p>
             <a:pPr lvl="1"/>
             <a:r>
-              <a:rPr lang="en-US" smtClean="0"/>
+              <a:rPr lang="en-US"/>
               <a:t>Second level</a:t>
             </a:r>
           </a:p>
           <a:p>
             <a:pPr lvl="2"/>
             <a:r>
-              <a:rPr lang="en-US" smtClean="0"/>
+              <a:rPr lang="en-US"/>
               <a:t>Third level</a:t>
             </a:r>
           </a:p>
           <a:p>
             <a:pPr lvl="3"/>
             <a:r>
-              <a:rPr lang="en-US" smtClean="0"/>
+              <a:rPr lang="en-US"/>
               <a:t>Fourth level</a:t>
             </a:r>
           </a:p>
           <a:p>
             <a:pPr lvl="4"/>
             <a:r>
-              <a:rPr lang="en-US" smtClean="0"/>
+              <a:rPr lang="en-US"/>
               <a:t>Fifth level</a:t>
             </a:r>
-            <a:endParaRPr lang="en-US"/>
           </a:p>
         </p:txBody>
       </p:sp>
@@ -3174,10 +3172,9 @@
           <a:lstStyle/>
           <a:p>
             <a:r>
-              <a:rPr lang="en-US" smtClean="0"/>
+              <a:rPr lang="en-US"/>
               <a:t>Click to edit Master title style</a:t>
             </a:r>
-            <a:endParaRPr lang="en-US"/>
           </a:p>
         </p:txBody>
       </p:sp>
@@ -3203,38 +3200,37 @@
           <a:p>
             <a:pPr lvl="0"/>
             <a:r>
-              <a:rPr lang="en-US" smtClean="0"/>
+              <a:rPr lang="en-US"/>
               <a:t>Click to edit Master text styles</a:t>
             </a:r>
           </a:p>
           <a:p>
             <a:pPr lvl="1"/>
             <a:r>
-              <a:rPr lang="en-US" smtClean="0"/>
+              <a:rPr lang="en-US"/>
               <a:t>Second level</a:t>
             </a:r>
           </a:p>
           <a:p>
             <a:pPr lvl="2"/>
             <a:r>
-              <a:rPr lang="en-US" smtClean="0"/>
+              <a:rPr lang="en-US"/>
               <a:t>Third level</a:t>
             </a:r>
           </a:p>
           <a:p>
             <a:pPr lvl="3"/>
             <a:r>
-              <a:rPr lang="en-US" smtClean="0"/>
+              <a:rPr lang="en-US"/>
               <a:t>Fourth level</a:t>
             </a:r>
           </a:p>
           <a:p>
             <a:pPr lvl="4"/>
             <a:r>
-              <a:rPr lang="en-US" smtClean="0"/>
+              <a:rPr lang="en-US"/>
               <a:t>Fifth level</a:t>
             </a:r>
-            <a:endParaRPr lang="en-US"/>
           </a:p>
         </p:txBody>
       </p:sp>
@@ -3288,7 +3284,7 @@
           </a:lstStyle>
           <a:p>
             <a:r>
-              <a:rPr lang="en-US" smtClean="0"/>
+              <a:rPr lang="en-US"/>
               <a:t>Click to edit Master title style</a:t>
             </a:r>
             <a:endParaRPr lang="en-US" dirty="0"/>
@@ -3328,38 +3324,37 @@
           <a:p>
             <a:pPr lvl="0"/>
             <a:r>
-              <a:rPr lang="en-US" smtClean="0"/>
+              <a:rPr lang="en-US"/>
               <a:t>Click to edit Master text styles</a:t>
             </a:r>
           </a:p>
           <a:p>
             <a:pPr lvl="1"/>
             <a:r>
-              <a:rPr lang="en-US" smtClean="0"/>
+              <a:rPr lang="en-US"/>
               <a:t>Second level</a:t>
             </a:r>
           </a:p>
           <a:p>
             <a:pPr lvl="2"/>
             <a:r>
-              <a:rPr lang="en-US" smtClean="0"/>
+              <a:rPr lang="en-US"/>
               <a:t>Third level</a:t>
             </a:r>
           </a:p>
           <a:p>
             <a:pPr lvl="3"/>
             <a:r>
-              <a:rPr lang="en-US" smtClean="0"/>
+              <a:rPr lang="en-US"/>
               <a:t>Fourth level</a:t>
             </a:r>
           </a:p>
           <a:p>
             <a:pPr lvl="4"/>
             <a:r>
-              <a:rPr lang="en-US" smtClean="0"/>
+              <a:rPr lang="en-US"/>
               <a:t>Fifth level</a:t>
             </a:r>
-            <a:endParaRPr lang="en-US"/>
           </a:p>
         </p:txBody>
       </p:sp>
@@ -3418,10 +3413,9 @@
           </a:lstStyle>
           <a:p>
             <a:r>
-              <a:rPr lang="en-US" smtClean="0"/>
+              <a:rPr lang="en-US"/>
               <a:t>Click to edit Master title style</a:t>
             </a:r>
-            <a:endParaRPr lang="en-US"/>
           </a:p>
         </p:txBody>
       </p:sp>
@@ -3484,7 +3478,7 @@
           <a:p>
             <a:pPr lvl="0"/>
             <a:r>
-              <a:rPr lang="en-US" smtClean="0"/>
+              <a:rPr lang="en-US"/>
               <a:t>Click to edit Master text styles</a:t>
             </a:r>
           </a:p>
@@ -3536,10 +3530,9 @@
           <a:lstStyle/>
           <a:p>
             <a:r>
-              <a:rPr lang="en-US" smtClean="0"/>
+              <a:rPr lang="en-US"/>
               <a:t>Click to edit Master title style</a:t>
             </a:r>
-            <a:endParaRPr lang="en-US"/>
           </a:p>
         </p:txBody>
       </p:sp>
@@ -3593,38 +3586,37 @@
           <a:p>
             <a:pPr lvl="0"/>
             <a:r>
-              <a:rPr lang="en-US" smtClean="0"/>
+              <a:rPr lang="en-US"/>
               <a:t>Click to edit Master text styles</a:t>
             </a:r>
           </a:p>
           <a:p>
             <a:pPr lvl="1"/>
             <a:r>
-              <a:rPr lang="en-US" smtClean="0"/>
+              <a:rPr lang="en-US"/>
               <a:t>Second level</a:t>
             </a:r>
           </a:p>
           <a:p>
             <a:pPr lvl="2"/>
             <a:r>
-              <a:rPr lang="en-US" smtClean="0"/>
+              <a:rPr lang="en-US"/>
               <a:t>Third level</a:t>
             </a:r>
           </a:p>
           <a:p>
             <a:pPr lvl="3"/>
             <a:r>
-              <a:rPr lang="en-US" smtClean="0"/>
+              <a:rPr lang="en-US"/>
               <a:t>Fourth level</a:t>
             </a:r>
           </a:p>
           <a:p>
             <a:pPr lvl="4"/>
             <a:r>
-              <a:rPr lang="en-US" smtClean="0"/>
+              <a:rPr lang="en-US"/>
               <a:t>Fifth level</a:t>
             </a:r>
-            <a:endParaRPr lang="en-US"/>
           </a:p>
         </p:txBody>
       </p:sp>
@@ -3678,38 +3670,37 @@
           <a:p>
             <a:pPr lvl="0"/>
             <a:r>
-              <a:rPr lang="en-US" smtClean="0"/>
+              <a:rPr lang="en-US"/>
               <a:t>Click to edit Master text styles</a:t>
             </a:r>
           </a:p>
           <a:p>
             <a:pPr lvl="1"/>
             <a:r>
-              <a:rPr lang="en-US" smtClean="0"/>
+              <a:rPr lang="en-US"/>
               <a:t>Second level</a:t>
             </a:r>
           </a:p>
           <a:p>
             <a:pPr lvl="2"/>
             <a:r>
-              <a:rPr lang="en-US" smtClean="0"/>
+              <a:rPr lang="en-US"/>
               <a:t>Third level</a:t>
             </a:r>
           </a:p>
           <a:p>
             <a:pPr lvl="3"/>
             <a:r>
-              <a:rPr lang="en-US" smtClean="0"/>
+              <a:rPr lang="en-US"/>
               <a:t>Fourth level</a:t>
             </a:r>
           </a:p>
           <a:p>
             <a:pPr lvl="4"/>
             <a:r>
-              <a:rPr lang="en-US" smtClean="0"/>
+              <a:rPr lang="en-US"/>
               <a:t>Fifth level</a:t>
             </a:r>
-            <a:endParaRPr lang="en-US"/>
           </a:p>
         </p:txBody>
       </p:sp>
@@ -3768,10 +3759,9 @@
           </a:lstStyle>
           <a:p>
             <a:r>
-              <a:rPr lang="en-US" smtClean="0"/>
+              <a:rPr lang="en-US"/>
               <a:t>Click to edit Master title style</a:t>
             </a:r>
-            <a:endParaRPr lang="en-US"/>
           </a:p>
         </p:txBody>
       </p:sp>
@@ -3834,7 +3824,7 @@
           <a:p>
             <a:pPr lvl="0"/>
             <a:r>
-              <a:rPr lang="en-US" smtClean="0"/>
+              <a:rPr lang="en-US"/>
               <a:t>Click to edit Master text styles</a:t>
             </a:r>
           </a:p>
@@ -3890,38 +3880,37 @@
           <a:p>
             <a:pPr lvl="0"/>
             <a:r>
-              <a:rPr lang="en-US" smtClean="0"/>
+              <a:rPr lang="en-US"/>
               <a:t>Click to edit Master text styles</a:t>
             </a:r>
           </a:p>
           <a:p>
             <a:pPr lvl="1"/>
             <a:r>
-              <a:rPr lang="en-US" smtClean="0"/>
+              <a:rPr lang="en-US"/>
               <a:t>Second level</a:t>
             </a:r>
           </a:p>
           <a:p>
             <a:pPr lvl="2"/>
             <a:r>
-              <a:rPr lang="en-US" smtClean="0"/>
+              <a:rPr lang="en-US"/>
               <a:t>Third level</a:t>
             </a:r>
           </a:p>
           <a:p>
             <a:pPr lvl="3"/>
             <a:r>
-              <a:rPr lang="en-US" smtClean="0"/>
+              <a:rPr lang="en-US"/>
               <a:t>Fourth level</a:t>
             </a:r>
           </a:p>
           <a:p>
             <a:pPr lvl="4"/>
             <a:r>
-              <a:rPr lang="en-US" smtClean="0"/>
+              <a:rPr lang="en-US"/>
               <a:t>Fifth level</a:t>
             </a:r>
-            <a:endParaRPr lang="en-US"/>
           </a:p>
         </p:txBody>
       </p:sp>
@@ -3984,7 +3973,7 @@
           <a:p>
             <a:pPr lvl="0"/>
             <a:r>
-              <a:rPr lang="en-US" smtClean="0"/>
+              <a:rPr lang="en-US"/>
               <a:t>Click to edit Master text styles</a:t>
             </a:r>
           </a:p>
@@ -4040,38 +4029,37 @@
           <a:p>
             <a:pPr lvl="0"/>
             <a:r>
-              <a:rPr lang="en-US" smtClean="0"/>
+              <a:rPr lang="en-US"/>
               <a:t>Click to edit Master text styles</a:t>
             </a:r>
           </a:p>
           <a:p>
             <a:pPr lvl="1"/>
             <a:r>
-              <a:rPr lang="en-US" smtClean="0"/>
+              <a:rPr lang="en-US"/>
               <a:t>Second level</a:t>
             </a:r>
           </a:p>
           <a:p>
             <a:pPr lvl="2"/>
             <a:r>
-              <a:rPr lang="en-US" smtClean="0"/>
+              <a:rPr lang="en-US"/>
               <a:t>Third level</a:t>
             </a:r>
           </a:p>
           <a:p>
             <a:pPr lvl="3"/>
             <a:r>
-              <a:rPr lang="en-US" smtClean="0"/>
+              <a:rPr lang="en-US"/>
               <a:t>Fourth level</a:t>
             </a:r>
           </a:p>
           <a:p>
             <a:pPr lvl="4"/>
             <a:r>
-              <a:rPr lang="en-US" smtClean="0"/>
+              <a:rPr lang="en-US"/>
               <a:t>Fifth level</a:t>
             </a:r>
-            <a:endParaRPr lang="en-US"/>
           </a:p>
         </p:txBody>
       </p:sp>
@@ -4125,10 +4113,9 @@
           </a:lstStyle>
           <a:p>
             <a:r>
-              <a:rPr lang="en-US" smtClean="0"/>
+              <a:rPr lang="en-US"/>
               <a:t>Click to edit Master title style</a:t>
             </a:r>
-            <a:endParaRPr lang="en-US"/>
           </a:p>
         </p:txBody>
       </p:sp>
@@ -4217,7 +4204,7 @@
           </a:lstStyle>
           <a:p>
             <a:r>
-              <a:rPr lang="en-US" smtClean="0"/>
+              <a:rPr lang="en-US"/>
               <a:t>Click to edit Master title style</a:t>
             </a:r>
             <a:endParaRPr lang="en-US" dirty="0"/>
@@ -4274,38 +4261,37 @@
           <a:p>
             <a:pPr lvl="0"/>
             <a:r>
-              <a:rPr lang="en-US" smtClean="0"/>
+              <a:rPr lang="en-US"/>
               <a:t>Click to edit Master text styles</a:t>
             </a:r>
           </a:p>
           <a:p>
             <a:pPr lvl="1"/>
             <a:r>
-              <a:rPr lang="en-US" smtClean="0"/>
+              <a:rPr lang="en-US"/>
               <a:t>Second level</a:t>
             </a:r>
           </a:p>
           <a:p>
             <a:pPr lvl="2"/>
             <a:r>
-              <a:rPr lang="en-US" smtClean="0"/>
+              <a:rPr lang="en-US"/>
               <a:t>Third level</a:t>
             </a:r>
           </a:p>
           <a:p>
             <a:pPr lvl="3"/>
             <a:r>
-              <a:rPr lang="en-US" smtClean="0"/>
+              <a:rPr lang="en-US"/>
               <a:t>Fourth level</a:t>
             </a:r>
           </a:p>
           <a:p>
             <a:pPr lvl="4"/>
             <a:r>
-              <a:rPr lang="en-US" smtClean="0"/>
+              <a:rPr lang="en-US"/>
               <a:t>Fifth level</a:t>
             </a:r>
-            <a:endParaRPr lang="en-US"/>
           </a:p>
         </p:txBody>
       </p:sp>
@@ -4368,7 +4354,7 @@
           <a:p>
             <a:pPr lvl="0"/>
             <a:r>
-              <a:rPr lang="en-US" smtClean="0"/>
+              <a:rPr lang="en-US"/>
               <a:t>Click to edit Master text styles</a:t>
             </a:r>
           </a:p>
@@ -4429,10 +4415,9 @@
           </a:lstStyle>
           <a:p>
             <a:r>
-              <a:rPr lang="en-US" smtClean="0"/>
+              <a:rPr lang="en-US"/>
               <a:t>Click to edit Master title style</a:t>
             </a:r>
-            <a:endParaRPr lang="en-US"/>
           </a:p>
         </p:txBody>
       </p:sp>
@@ -4495,10 +4480,9 @@
           <a:p>
             <a:pPr lvl="0"/>
             <a:r>
-              <a:rPr lang="en-US" noProof="0" smtClean="0"/>
+              <a:rPr lang="en-US" noProof="0"/>
               <a:t>Click icon to add picture</a:t>
             </a:r>
-            <a:endParaRPr lang="en-US" noProof="0"/>
           </a:p>
         </p:txBody>
       </p:sp>
@@ -4561,7 +4545,7 @@
           <a:p>
             <a:pPr lvl="0"/>
             <a:r>
-              <a:rPr lang="en-US" smtClean="0"/>
+              <a:rPr lang="en-US"/>
               <a:t>Click to edit Master text styles</a:t>
             </a:r>
           </a:p>
@@ -4641,7 +4625,7 @@
           <a:p>
             <a:pPr lvl="0"/>
             <a:r>
-              <a:rPr lang="en-US" smtClean="0"/>
+              <a:rPr lang="en-US"/>
               <a:t>Click to edit Master title style</a:t>
             </a:r>
             <a:endParaRPr lang="en-US" dirty="0"/>
@@ -4684,38 +4668,37 @@
           <a:p>
             <a:pPr lvl="0"/>
             <a:r>
-              <a:rPr lang="en-US" smtClean="0"/>
+              <a:rPr lang="en-US"/>
               <a:t>Click to edit Master text styles</a:t>
             </a:r>
           </a:p>
           <a:p>
             <a:pPr lvl="1"/>
             <a:r>
-              <a:rPr lang="en-US" smtClean="0"/>
+              <a:rPr lang="en-US"/>
               <a:t>Second level</a:t>
             </a:r>
           </a:p>
           <a:p>
             <a:pPr lvl="2"/>
             <a:r>
-              <a:rPr lang="en-US" smtClean="0"/>
+              <a:rPr lang="en-US"/>
               <a:t>Third level</a:t>
             </a:r>
           </a:p>
           <a:p>
             <a:pPr lvl="3"/>
             <a:r>
-              <a:rPr lang="en-US" smtClean="0"/>
+              <a:rPr lang="en-US"/>
               <a:t>Fourth level</a:t>
             </a:r>
           </a:p>
           <a:p>
             <a:pPr lvl="4"/>
             <a:r>
-              <a:rPr lang="en-US" smtClean="0"/>
+              <a:rPr lang="en-US"/>
               <a:t>Fifth level</a:t>
             </a:r>
-            <a:endParaRPr lang="en-US"/>
           </a:p>
         </p:txBody>
       </p:sp>
@@ -4978,7 +4961,7 @@
           <a:p>
             <a:pPr algn="r"/>
             <a:r>
-              <a:rPr lang="en-US" sz="1400" dirty="0" smtClean="0">
+              <a:rPr lang="en-US" sz="1400" dirty="0">
                 <a:solidFill>
                   <a:schemeClr val="bg1"/>
                 </a:solidFill>
@@ -4986,7 +4969,7 @@
               <a:t>Information Systems</a:t>
             </a:r>
             <a:r>
-              <a:rPr lang="en-US" sz="1400" baseline="0" dirty="0" smtClean="0">
+              <a:rPr lang="en-US" sz="1400" baseline="0" dirty="0">
                 <a:solidFill>
                   <a:schemeClr val="bg1"/>
                 </a:solidFill>
@@ -5489,14 +5472,14 @@
           <a:p>
             <a:pPr eaLnBrk="1" hangingPunct="1"/>
             <a:r>
-              <a:rPr lang="en-US" sz="3200" dirty="0" smtClean="0"/>
+              <a:rPr lang="en-US" sz="3200" dirty="0"/>
               <a:t>Module 10</a:t>
             </a:r>
             <a:br>
-              <a:rPr lang="en-US" sz="3200" dirty="0" smtClean="0"/>
+              <a:rPr lang="en-US" sz="3200" dirty="0"/>
             </a:br>
             <a:r>
-              <a:rPr lang="en-US" sz="3200" dirty="0" smtClean="0"/>
+              <a:rPr lang="en-US" sz="3200" dirty="0"/>
               <a:t>Schema Conversion</a:t>
             </a:r>
           </a:p>
@@ -5525,22 +5508,9 @@
           <a:lstStyle/>
           <a:p>
             <a:r>
-              <a:rPr lang="en-US" altLang="en-US" dirty="0" smtClean="0"/>
-              <a:t>Lesson 1: </a:t>
-            </a:r>
-            <a:r>
               <a:rPr lang="en-US" altLang="en-US" dirty="0"/>
-              <a:t>Goals and steps of </a:t>
-            </a:r>
-            <a:r>
-              <a:rPr lang="en-US" altLang="en-US" dirty="0" smtClean="0"/>
-              <a:t>logical </a:t>
-            </a:r>
-            <a:r>
-              <a:rPr lang="en-US" altLang="en-US" dirty="0"/>
-              <a:t>database design </a:t>
-            </a:r>
-            <a:endParaRPr lang="en-US" altLang="en-US" dirty="0" smtClean="0"/>
+              <a:t>Lesson 1: Goals and steps of logical database design </a:t>
+            </a:r>
           </a:p>
         </p:txBody>
       </p:sp>
@@ -5555,13 +5525,6 @@
     <a:masterClrMapping/>
   </p:clrMapOvr>
   <p:transition advTm="53917"/>
-  <p:timing>
-    <p:tnLst>
-      <p:par>
-        <p:cTn id="1" dur="indefinite" restart="never" nodeType="tmRoot"/>
-      </p:par>
-    </p:tnLst>
-  </p:timing>
 </p:sld>
 </file>
 
@@ -5598,10 +5561,9 @@
           <a:lstStyle/>
           <a:p>
             <a:r>
-              <a:rPr lang="en-US" dirty="0" smtClean="0"/>
+              <a:rPr lang="en-US" dirty="0"/>
               <a:t>Lesson Objectives</a:t>
             </a:r>
-            <a:endParaRPr lang="en-US" dirty="0"/>
           </a:p>
         </p:txBody>
       </p:sp>
@@ -5628,32 +5590,14 @@
           <a:p>
             <a:r>
               <a:rPr lang="en-US" dirty="0"/>
-              <a:t>Explain </a:t>
-            </a:r>
-            <a:r>
-              <a:rPr lang="en-US" dirty="0" smtClean="0"/>
-              <a:t>goals and steps </a:t>
-            </a:r>
+              <a:t>Explain goals and steps of logical database design</a:t>
+            </a:r>
+          </a:p>
+          <a:p>
             <a:r>
               <a:rPr lang="en-US" dirty="0"/>
-              <a:t>of </a:t>
-            </a:r>
-            <a:r>
-              <a:rPr lang="en-US" dirty="0" smtClean="0"/>
-              <a:t>logical database design</a:t>
-            </a:r>
-            <a:endParaRPr lang="en-US" dirty="0"/>
-          </a:p>
-          <a:p>
-            <a:r>
-              <a:rPr lang="en-US" dirty="0"/>
-              <a:t>Explain the position of this module in the database development </a:t>
-            </a:r>
-            <a:r>
-              <a:rPr lang="en-US" dirty="0" smtClean="0"/>
-              <a:t>process</a:t>
-            </a:r>
-            <a:endParaRPr lang="en-US" dirty="0"/>
+              <a:t>Explain the position of this module in the database development process</a:t>
+            </a:r>
           </a:p>
         </p:txBody>
       </p:sp>
@@ -5667,13 +5611,6 @@
   <p:clrMapOvr>
     <a:masterClrMapping/>
   </p:clrMapOvr>
-  <p:timing>
-    <p:tnLst>
-      <p:par>
-        <p:cTn id="1" dur="indefinite" restart="never" nodeType="tmRoot"/>
-      </p:par>
-    </p:tnLst>
-  </p:timing>
 </p:sld>
 </file>
 
@@ -5891,10 +5828,9 @@
               </a:spcAft>
             </a:pPr>
             <a:r>
-              <a:rPr lang="en-US" sz="2700" kern="1200" dirty="0" smtClean="0"/>
+              <a:rPr lang="en-US" sz="2700" kern="1200" dirty="0"/>
               <a:t>Develop a common vocabulary</a:t>
             </a:r>
-            <a:endParaRPr lang="en-US" sz="2700" kern="1200" dirty="0"/>
           </a:p>
         </p:txBody>
       </p:sp>
@@ -6094,10 +6030,9 @@
               </a:spcAft>
             </a:pPr>
             <a:r>
-              <a:rPr lang="en-US" sz="2700" kern="1200" dirty="0" smtClean="0"/>
+              <a:rPr lang="en-US" sz="2700" kern="1200" dirty="0"/>
               <a:t>Define business rules</a:t>
             </a:r>
-            <a:endParaRPr lang="en-US" sz="2700" kern="1200" dirty="0"/>
           </a:p>
         </p:txBody>
       </p:sp>
@@ -6297,10 +6232,9 @@
               </a:spcAft>
             </a:pPr>
             <a:r>
-              <a:rPr lang="en-US" sz="2700" kern="1200" dirty="0" smtClean="0"/>
+              <a:rPr lang="en-US" sz="2700" kern="1200" dirty="0"/>
               <a:t>Ensure data quality</a:t>
             </a:r>
-            <a:endParaRPr lang="en-US" sz="2700" kern="1200" dirty="0"/>
           </a:p>
         </p:txBody>
       </p:sp>
@@ -6477,10 +6411,9 @@
               </a:spcAft>
             </a:pPr>
             <a:r>
-              <a:rPr lang="en-US" sz="2700" kern="1200" dirty="0" smtClean="0"/>
+              <a:rPr lang="en-US" sz="2700" kern="1200" dirty="0"/>
               <a:t>Provide efficient implementation</a:t>
             </a:r>
-            <a:endParaRPr lang="en-US" sz="2700" kern="1200" dirty="0"/>
           </a:p>
         </p:txBody>
       </p:sp>
@@ -6935,7 +6868,7 @@
           <a:p>
             <a:pPr eaLnBrk="1" hangingPunct="1"/>
             <a:r>
-              <a:rPr lang="en-US" dirty="0" smtClean="0"/>
+              <a:rPr lang="en-US" dirty="0"/>
               <a:t>Managing Redundancy</a:t>
             </a:r>
           </a:p>
@@ -6967,7 +6900,7 @@
               </a:lnSpc>
             </a:pPr>
             <a:r>
-              <a:rPr lang="en-US" dirty="0" smtClean="0"/>
+              <a:rPr lang="en-US" dirty="0"/>
               <a:t>Identify possible redundancy</a:t>
             </a:r>
           </a:p>
@@ -6978,7 +6911,7 @@
               </a:lnSpc>
             </a:pPr>
             <a:r>
-              <a:rPr lang="en-US" dirty="0" smtClean="0"/>
+              <a:rPr lang="en-US" dirty="0"/>
               <a:t>Eliminate unwanted redundancy</a:t>
             </a:r>
           </a:p>
@@ -6989,7 +6922,7 @@
               </a:lnSpc>
             </a:pPr>
             <a:r>
-              <a:rPr lang="en-US" dirty="0" smtClean="0"/>
+              <a:rPr lang="en-US" dirty="0"/>
               <a:t>Support organizational policies</a:t>
             </a:r>
           </a:p>
@@ -7000,7 +6933,7 @@
               </a:lnSpc>
             </a:pPr>
             <a:r>
-              <a:rPr lang="en-US" dirty="0" smtClean="0"/>
+              <a:rPr lang="en-US" dirty="0"/>
               <a:t>Update orientation</a:t>
             </a:r>
           </a:p>
@@ -7359,7 +7292,7 @@
           <a:p>
             <a:pPr eaLnBrk="1" hangingPunct="1"/>
             <a:r>
-              <a:rPr lang="en-US" sz="4000" smtClean="0"/>
+              <a:rPr lang="en-US" sz="4000"/>
               <a:t>Database Development Phases</a:t>
             </a:r>
           </a:p>
@@ -8927,10 +8860,9 @@
           <a:lstStyle/>
           <a:p>
             <a:r>
-              <a:rPr lang="en-US" dirty="0" smtClean="0"/>
+              <a:rPr lang="en-US" dirty="0"/>
               <a:t>Logical Database Design</a:t>
             </a:r>
-            <a:endParaRPr lang="en-US" dirty="0"/>
           </a:p>
         </p:txBody>
       </p:sp>
@@ -9153,10 +9085,9 @@
               </a:spcAft>
             </a:pPr>
             <a:r>
-              <a:rPr lang="en-US" sz="1900" kern="1200" dirty="0" smtClean="0"/>
+              <a:rPr lang="en-US" sz="1900" kern="1200" dirty="0"/>
               <a:t>Convert</a:t>
             </a:r>
-            <a:endParaRPr lang="en-US" sz="1900" kern="1200" dirty="0"/>
           </a:p>
         </p:txBody>
       </p:sp>
@@ -9282,10 +9213,9 @@
               <a:buChar char="••"/>
             </a:pPr>
             <a:r>
-              <a:rPr lang="en-US" sz="1600" kern="1200" dirty="0" smtClean="0"/>
+              <a:rPr lang="en-US" sz="1600" kern="1200" dirty="0"/>
               <a:t>ERD to initial table design</a:t>
             </a:r>
-            <a:endParaRPr lang="en-US" sz="1600" kern="1200" dirty="0"/>
           </a:p>
         </p:txBody>
       </p:sp>
@@ -9508,10 +9438,9 @@
               </a:spcAft>
             </a:pPr>
             <a:r>
-              <a:rPr lang="en-US" sz="1900" kern="1200" dirty="0" smtClean="0"/>
+              <a:rPr lang="en-US" sz="1900" kern="1200" dirty="0"/>
               <a:t>Specify</a:t>
             </a:r>
-            <a:endParaRPr lang="en-US" sz="1900" kern="1200" dirty="0"/>
           </a:p>
         </p:txBody>
       </p:sp>
@@ -9637,7 +9566,7 @@
               <a:buChar char="••"/>
             </a:pPr>
             <a:r>
-              <a:rPr lang="en-US" sz="1400" dirty="0" smtClean="0"/>
+              <a:rPr lang="en-US" sz="1400" dirty="0"/>
               <a:t>Redundancy constraints</a:t>
             </a:r>
             <a:endParaRPr lang="en-US" sz="1400" kern="1200" dirty="0"/>
@@ -9863,10 +9792,9 @@
               </a:spcAft>
             </a:pPr>
             <a:r>
-              <a:rPr lang="en-US" sz="1900" kern="1200" dirty="0" smtClean="0"/>
+              <a:rPr lang="en-US" sz="1900" kern="1200" dirty="0"/>
               <a:t>Normalize</a:t>
             </a:r>
-            <a:endParaRPr lang="en-US" sz="1900" kern="1200" dirty="0"/>
           </a:p>
         </p:txBody>
       </p:sp>
@@ -9992,10 +9920,9 @@
               <a:buChar char="••"/>
             </a:pPr>
             <a:r>
-              <a:rPr lang="en-US" sz="1400" kern="1200" dirty="0" smtClean="0"/>
+              <a:rPr lang="en-US" sz="1400" kern="1200" dirty="0"/>
               <a:t>Eliminate unwanted redundancies</a:t>
             </a:r>
-            <a:endParaRPr lang="en-US" sz="1400" kern="1200" dirty="0"/>
           </a:p>
         </p:txBody>
       </p:sp>
@@ -10159,10 +10086,9 @@
               </a:spcAft>
             </a:pPr>
             <a:r>
-              <a:rPr lang="en-US" sz="1900" kern="1200" dirty="0" smtClean="0"/>
+              <a:rPr lang="en-US" sz="1900" kern="1200" dirty="0"/>
               <a:t>Refine</a:t>
             </a:r>
-            <a:endParaRPr lang="en-US" sz="1900" kern="1200" dirty="0"/>
           </a:p>
         </p:txBody>
       </p:sp>
@@ -10288,10 +10214,9 @@
               <a:buChar char="••"/>
             </a:pPr>
             <a:r>
-              <a:rPr lang="en-US" sz="1400" kern="1200" dirty="0" smtClean="0"/>
+              <a:rPr lang="en-US" sz="1400" kern="1200" dirty="0"/>
               <a:t>Uniqueness constraints</a:t>
             </a:r>
-            <a:endParaRPr lang="en-US" sz="1400" kern="1200" dirty="0"/>
           </a:p>
           <a:p>
             <a:pPr marL="114300" lvl="1" indent="-114300" algn="l" defTabSz="622300">
@@ -10307,10 +10232,9 @@
               <a:buChar char="••"/>
             </a:pPr>
             <a:r>
-              <a:rPr lang="en-US" sz="1400" kern="1200" dirty="0" smtClean="0"/>
+              <a:rPr lang="en-US" sz="1400" kern="1200" dirty="0"/>
               <a:t>Other constraints</a:t>
             </a:r>
-            <a:endParaRPr lang="en-US" sz="1400" kern="1200" dirty="0"/>
           </a:p>
         </p:txBody>
       </p:sp>
@@ -10770,7 +10694,7 @@
           <a:p>
             <a:pPr eaLnBrk="1" hangingPunct="1"/>
             <a:r>
-              <a:rPr lang="en-US" altLang="en-US" sz="3200" dirty="0" smtClean="0"/>
+              <a:rPr lang="en-US" altLang="en-US" sz="3200" dirty="0"/>
               <a:t>Summary of Logical Database Design</a:t>
             </a:r>
           </a:p>
@@ -10793,23 +10717,22 @@
           <a:p>
             <a:pPr eaLnBrk="1" hangingPunct="1"/>
             <a:r>
-              <a:rPr lang="en-US" altLang="en-US" dirty="0" smtClean="0"/>
+              <a:rPr lang="en-US" altLang="en-US" dirty="0"/>
               <a:t>Essential part of information systems development</a:t>
             </a:r>
           </a:p>
           <a:p>
             <a:pPr eaLnBrk="1" hangingPunct="1"/>
             <a:r>
-              <a:rPr lang="en-US" altLang="en-US" dirty="0" smtClean="0"/>
+              <a:rPr lang="en-US" altLang="en-US" dirty="0"/>
               <a:t>Two major phases, conversion and normalization</a:t>
             </a:r>
           </a:p>
           <a:p>
             <a:r>
-              <a:rPr lang="en-US" altLang="en-US" dirty="0" smtClean="0"/>
+              <a:rPr lang="en-US" altLang="en-US" dirty="0"/>
               <a:t>Refinement focus</a:t>
             </a:r>
-            <a:endParaRPr lang="en-US" altLang="en-US" dirty="0"/>
           </a:p>
         </p:txBody>
       </p:sp>
